--- a/06 - Type Ahead/Description.pptx
+++ b/06 - Type Ahead/Description.pptx
@@ -199,7 +199,7 @@
           <a:p>
             <a:fld id="{0C87EFF6-E52D-4F31-9BAF-F6F577E8B66E}" type="datetimeFigureOut">
               <a:rPr lang="ko-KR" altLang="en-US" smtClean="0"/>
-              <a:t>2020-04-01</a:t>
+              <a:t>2020-04-23</a:t>
             </a:fld>
             <a:endParaRPr lang="ko-KR" altLang="en-US"/>
           </a:p>
@@ -613,7 +613,7 @@
           <a:p>
             <a:fld id="{F6A943B9-3DDC-4480-9F2E-621F533D3898}" type="datetimeFigureOut">
               <a:rPr lang="ko-KR" altLang="en-US" smtClean="0"/>
-              <a:t>2020-04-01</a:t>
+              <a:t>2020-04-23</a:t>
             </a:fld>
             <a:endParaRPr lang="ko-KR" altLang="en-US"/>
           </a:p>
@@ -811,7 +811,7 @@
           <a:p>
             <a:fld id="{F6A943B9-3DDC-4480-9F2E-621F533D3898}" type="datetimeFigureOut">
               <a:rPr lang="ko-KR" altLang="en-US" smtClean="0"/>
-              <a:t>2020-04-01</a:t>
+              <a:t>2020-04-23</a:t>
             </a:fld>
             <a:endParaRPr lang="ko-KR" altLang="en-US"/>
           </a:p>
@@ -1019,7 +1019,7 @@
           <a:p>
             <a:fld id="{F6A943B9-3DDC-4480-9F2E-621F533D3898}" type="datetimeFigureOut">
               <a:rPr lang="ko-KR" altLang="en-US" smtClean="0"/>
-              <a:t>2020-04-01</a:t>
+              <a:t>2020-04-23</a:t>
             </a:fld>
             <a:endParaRPr lang="ko-KR" altLang="en-US"/>
           </a:p>
@@ -1217,7 +1217,7 @@
           <a:p>
             <a:fld id="{F6A943B9-3DDC-4480-9F2E-621F533D3898}" type="datetimeFigureOut">
               <a:rPr lang="ko-KR" altLang="en-US" smtClean="0"/>
-              <a:t>2020-04-01</a:t>
+              <a:t>2020-04-23</a:t>
             </a:fld>
             <a:endParaRPr lang="ko-KR" altLang="en-US"/>
           </a:p>
@@ -1492,7 +1492,7 @@
           <a:p>
             <a:fld id="{F6A943B9-3DDC-4480-9F2E-621F533D3898}" type="datetimeFigureOut">
               <a:rPr lang="ko-KR" altLang="en-US" smtClean="0"/>
-              <a:t>2020-04-01</a:t>
+              <a:t>2020-04-23</a:t>
             </a:fld>
             <a:endParaRPr lang="ko-KR" altLang="en-US"/>
           </a:p>
@@ -1757,7 +1757,7 @@
           <a:p>
             <a:fld id="{F6A943B9-3DDC-4480-9F2E-621F533D3898}" type="datetimeFigureOut">
               <a:rPr lang="ko-KR" altLang="en-US" smtClean="0"/>
-              <a:t>2020-04-01</a:t>
+              <a:t>2020-04-23</a:t>
             </a:fld>
             <a:endParaRPr lang="ko-KR" altLang="en-US"/>
           </a:p>
@@ -2169,7 +2169,7 @@
           <a:p>
             <a:fld id="{F6A943B9-3DDC-4480-9F2E-621F533D3898}" type="datetimeFigureOut">
               <a:rPr lang="ko-KR" altLang="en-US" smtClean="0"/>
-              <a:t>2020-04-01</a:t>
+              <a:t>2020-04-23</a:t>
             </a:fld>
             <a:endParaRPr lang="ko-KR" altLang="en-US"/>
           </a:p>
@@ -2310,7 +2310,7 @@
           <a:p>
             <a:fld id="{F6A943B9-3DDC-4480-9F2E-621F533D3898}" type="datetimeFigureOut">
               <a:rPr lang="ko-KR" altLang="en-US" smtClean="0"/>
-              <a:t>2020-04-01</a:t>
+              <a:t>2020-04-23</a:t>
             </a:fld>
             <a:endParaRPr lang="ko-KR" altLang="en-US"/>
           </a:p>
@@ -2423,7 +2423,7 @@
           <a:p>
             <a:fld id="{F6A943B9-3DDC-4480-9F2E-621F533D3898}" type="datetimeFigureOut">
               <a:rPr lang="ko-KR" altLang="en-US" smtClean="0"/>
-              <a:t>2020-04-01</a:t>
+              <a:t>2020-04-23</a:t>
             </a:fld>
             <a:endParaRPr lang="ko-KR" altLang="en-US"/>
           </a:p>
@@ -2734,7 +2734,7 @@
           <a:p>
             <a:fld id="{F6A943B9-3DDC-4480-9F2E-621F533D3898}" type="datetimeFigureOut">
               <a:rPr lang="ko-KR" altLang="en-US" smtClean="0"/>
-              <a:t>2020-04-01</a:t>
+              <a:t>2020-04-23</a:t>
             </a:fld>
             <a:endParaRPr lang="ko-KR" altLang="en-US"/>
           </a:p>
@@ -3022,7 +3022,7 @@
           <a:p>
             <a:fld id="{F6A943B9-3DDC-4480-9F2E-621F533D3898}" type="datetimeFigureOut">
               <a:rPr lang="ko-KR" altLang="en-US" smtClean="0"/>
-              <a:t>2020-04-01</a:t>
+              <a:t>2020-04-23</a:t>
             </a:fld>
             <a:endParaRPr lang="ko-KR" altLang="en-US"/>
           </a:p>
@@ -3263,7 +3263,7 @@
           <a:p>
             <a:fld id="{F6A943B9-3DDC-4480-9F2E-621F533D3898}" type="datetimeFigureOut">
               <a:rPr lang="ko-KR" altLang="en-US" smtClean="0"/>
-              <a:t>2020-04-01</a:t>
+              <a:t>2020-04-23</a:t>
             </a:fld>
             <a:endParaRPr lang="ko-KR" altLang="en-US"/>
           </a:p>
@@ -4125,7 +4125,7 @@
         </p:nvGrpSpPr>
         <p:grpSpPr>
           <a:xfrm>
-            <a:off x="1944714" y="3913546"/>
+            <a:off x="1864814" y="3913546"/>
             <a:ext cx="7233716" cy="2796425"/>
             <a:chOff x="692963" y="3842525"/>
             <a:chExt cx="7233716" cy="2796425"/>
